--- a/CitiBike_Final.pptx
+++ b/CitiBike_Final.pptx
@@ -8,14 +8,15 @@
     <p:sldId id="256" r:id="rId2"/>
     <p:sldId id="257" r:id="rId3"/>
     <p:sldId id="258" r:id="rId4"/>
-    <p:sldId id="261" r:id="rId5"/>
-    <p:sldId id="262" r:id="rId6"/>
-    <p:sldId id="263" r:id="rId7"/>
-    <p:sldId id="264" r:id="rId8"/>
-    <p:sldId id="265" r:id="rId9"/>
-    <p:sldId id="266" r:id="rId10"/>
-    <p:sldId id="259" r:id="rId11"/>
-    <p:sldId id="260" r:id="rId12"/>
+    <p:sldId id="265" r:id="rId5"/>
+    <p:sldId id="261" r:id="rId6"/>
+    <p:sldId id="262" r:id="rId7"/>
+    <p:sldId id="263" r:id="rId8"/>
+    <p:sldId id="267" r:id="rId9"/>
+    <p:sldId id="259" r:id="rId10"/>
+    <p:sldId id="266" r:id="rId11"/>
+    <p:sldId id="268" r:id="rId12"/>
+    <p:sldId id="260" r:id="rId13"/>
   </p:sldIdLst>
   <p:sldSz cx="12192000" cy="6858000"/>
   <p:notesSz cx="6858000" cy="9144000"/>
@@ -114,6 +115,11 @@
       </a:defRPr>
     </a:lvl9pPr>
   </p:defaultTextStyle>
+  <p:extLst>
+    <p:ext uri="{EFAFB233-063F-42B5-8137-9DF3F51BA10A}">
+      <p15:sldGuideLst xmlns:p15="http://schemas.microsoft.com/office/powerpoint/2012/main"/>
+    </p:ext>
+  </p:extLst>
 </p:presentation>
 </file>
 
@@ -264,7 +270,7 @@
           <a:p>
             <a:fld id="{9184DA70-C731-4C70-880D-CCD4705E623C}" type="datetime1">
               <a:rPr lang="en-US" smtClean="0"/>
-              <a:t>2/1/20</a:t>
+              <a:t>2/1/2020</a:t>
             </a:fld>
             <a:endParaRPr lang="en-US" dirty="0"/>
           </a:p>
@@ -462,7 +468,7 @@
           <a:p>
             <a:fld id="{B612A279-0833-481D-8C56-F67FD0AC6C50}" type="datetime1">
               <a:rPr lang="en-US" smtClean="0"/>
-              <a:t>2/1/20</a:t>
+              <a:t>2/1/2020</a:t>
             </a:fld>
             <a:endParaRPr lang="en-US" dirty="0"/>
           </a:p>
@@ -670,7 +676,7 @@
           <a:p>
             <a:fld id="{6587DA83-5663-4C9C-B9AA-0B40A3DAFF81}" type="datetime1">
               <a:rPr lang="en-US" smtClean="0"/>
-              <a:t>2/1/20</a:t>
+              <a:t>2/1/2020</a:t>
             </a:fld>
             <a:endParaRPr lang="en-US" dirty="0"/>
           </a:p>
@@ -868,7 +874,7 @@
           <a:p>
             <a:fld id="{4BE1D723-8F53-4F53-90B0-1982A396982E}" type="datetime1">
               <a:rPr lang="en-US" smtClean="0"/>
-              <a:t>2/1/20</a:t>
+              <a:t>2/1/2020</a:t>
             </a:fld>
             <a:endParaRPr lang="en-US" dirty="0"/>
           </a:p>
@@ -1143,7 +1149,7 @@
           <a:p>
             <a:fld id="{97669AF7-7BEB-44E4-9852-375E34362B5B}" type="datetime1">
               <a:rPr lang="en-US" smtClean="0"/>
-              <a:t>2/1/20</a:t>
+              <a:t>2/1/2020</a:t>
             </a:fld>
             <a:endParaRPr lang="en-US" dirty="0"/>
           </a:p>
@@ -1408,7 +1414,7 @@
           <a:p>
             <a:fld id="{BAAAC38D-0552-4C82-B593-E6124DFADBE2}" type="datetime1">
               <a:rPr lang="en-US" smtClean="0"/>
-              <a:t>2/1/20</a:t>
+              <a:t>2/1/2020</a:t>
             </a:fld>
             <a:endParaRPr lang="en-US" dirty="0"/>
           </a:p>
@@ -1820,7 +1826,7 @@
           <a:p>
             <a:fld id="{D9DF0F1C-5577-4ACB-BB62-DF8F3C494C7E}" type="datetime1">
               <a:rPr lang="en-US" smtClean="0"/>
-              <a:t>2/1/20</a:t>
+              <a:t>2/1/2020</a:t>
             </a:fld>
             <a:endParaRPr lang="en-US" dirty="0"/>
           </a:p>
@@ -1961,7 +1967,7 @@
           <a:p>
             <a:fld id="{1775B394-D9F9-4F0C-B15D-605F45CB9E9F}" type="datetime1">
               <a:rPr lang="en-US" smtClean="0"/>
-              <a:t>2/1/20</a:t>
+              <a:t>2/1/2020</a:t>
             </a:fld>
             <a:endParaRPr lang="en-US" dirty="0"/>
           </a:p>
@@ -2074,7 +2080,7 @@
           <a:p>
             <a:fld id="{39667345-2558-425A-8533-9BFDBCE15005}" type="datetime1">
               <a:rPr lang="en-US" smtClean="0"/>
-              <a:t>2/1/20</a:t>
+              <a:t>2/1/2020</a:t>
             </a:fld>
             <a:endParaRPr lang="en-US" dirty="0"/>
           </a:p>
@@ -2385,7 +2391,7 @@
           <a:p>
             <a:fld id="{92BEA474-078D-4E9B-9B14-09A87B19DC46}" type="datetime1">
               <a:rPr lang="en-US" smtClean="0"/>
-              <a:t>2/1/20</a:t>
+              <a:t>2/1/2020</a:t>
             </a:fld>
             <a:endParaRPr lang="en-US" dirty="0"/>
           </a:p>
@@ -2677,7 +2683,7 @@
           <a:p>
             <a:fld id="{4907D986-8816-4272-A432-0437A28A9828}" type="datetime1">
               <a:rPr lang="en-US" smtClean="0"/>
-              <a:t>2/1/20</a:t>
+              <a:t>2/1/2020</a:t>
             </a:fld>
             <a:endParaRPr lang="en-US" dirty="0"/>
           </a:p>
@@ -2919,7 +2925,7 @@
           <a:p>
             <a:fld id="{62D6E202-B606-4609-B914-27C9371A1F6D}" type="datetime1">
               <a:rPr lang="en-US" smtClean="0"/>
-              <a:t>2/1/20</a:t>
+              <a:t>2/1/2020</a:t>
             </a:fld>
             <a:endParaRPr lang="en-US" dirty="0"/>
           </a:p>
@@ -3375,49 +3381,64 @@
         </p:spPr>
         <p:txBody>
           <a:bodyPr anchor="ctr">
+            <a:noAutofit/>
+          </a:bodyPr>
+          <a:lstStyle/>
+          <a:p>
+            <a:pPr algn="r"/>
+            <a:r>
+              <a:rPr lang="en-US" sz="9600" dirty="0">
+                <a:solidFill>
+                  <a:srgbClr val="FFFFFF"/>
+                </a:solidFill>
+              </a:rPr>
+              <a:t>CitiBike</a:t>
+            </a:r>
+          </a:p>
+        </p:txBody>
+      </p:sp>
+      <p:sp>
+        <p:nvSpPr>
+          <p:cNvPr id="3" name="Subtitle 2">
+            <a:extLst>
+              <a:ext uri="{FF2B5EF4-FFF2-40B4-BE49-F238E27FC236}">
+                <a16:creationId xmlns:a16="http://schemas.microsoft.com/office/drawing/2014/main" id="{173D2F77-DC52-FC46-923A-263D256947B7}"/>
+              </a:ext>
+            </a:extLst>
+          </p:cNvPr>
+          <p:cNvSpPr>
+            <a:spLocks noGrp="1"/>
+          </p:cNvSpPr>
+          <p:nvPr>
+            <p:ph type="subTitle" idx="1"/>
+          </p:nvPr>
+        </p:nvSpPr>
+        <p:spPr>
+          <a:xfrm>
+            <a:off x="8289580" y="5120639"/>
+            <a:ext cx="3073745" cy="1280160"/>
+          </a:xfrm>
+        </p:spPr>
+        <p:txBody>
+          <a:bodyPr anchor="ctr">
             <a:normAutofit/>
           </a:bodyPr>
           <a:lstStyle/>
           <a:p>
-            <a:pPr algn="r"/>
+            <a:pPr>
+              <a:spcAft>
+                <a:spcPts val="600"/>
+              </a:spcAft>
+            </a:pPr>
             <a:r>
               <a:rPr lang="en-US" dirty="0">
                 <a:solidFill>
                   <a:srgbClr val="FFFFFF"/>
                 </a:solidFill>
               </a:rPr>
-              <a:t>CitiBike</a:t>
-            </a:r>
-          </a:p>
-        </p:txBody>
-      </p:sp>
-      <p:sp>
-        <p:nvSpPr>
-          <p:cNvPr id="3" name="Subtitle 2">
-            <a:extLst>
-              <a:ext uri="{FF2B5EF4-FFF2-40B4-BE49-F238E27FC236}">
-                <a16:creationId xmlns:a16="http://schemas.microsoft.com/office/drawing/2014/main" id="{173D2F77-DC52-FC46-923A-263D256947B7}"/>
-              </a:ext>
-            </a:extLst>
-          </p:cNvPr>
-          <p:cNvSpPr>
-            <a:spLocks noGrp="1"/>
-          </p:cNvSpPr>
-          <p:nvPr>
-            <p:ph type="subTitle" idx="1"/>
-          </p:nvPr>
-        </p:nvSpPr>
-        <p:spPr>
-          <a:xfrm>
-            <a:off x="8289580" y="5120639"/>
-            <a:ext cx="3073745" cy="1280160"/>
-          </a:xfrm>
-        </p:spPr>
-        <p:txBody>
-          <a:bodyPr anchor="ctr">
-            <a:normAutofit/>
-          </a:bodyPr>
-          <a:lstStyle/>
+              <a:t>Jersey City </a:t>
+            </a:r>
+          </a:p>
           <a:p>
             <a:pPr>
               <a:spcAft>
@@ -3465,70 +3486,42 @@
           <a:chExt cx="0" cy="0"/>
         </a:xfrm>
       </p:grpSpPr>
-      <p:sp>
-        <p:nvSpPr>
-          <p:cNvPr id="2" name="Title 1">
-            <a:extLst>
-              <a:ext uri="{FF2B5EF4-FFF2-40B4-BE49-F238E27FC236}">
-                <a16:creationId xmlns:a16="http://schemas.microsoft.com/office/drawing/2014/main" id="{ED866FE3-0DB6-594D-8E1F-0002E744DCD2}"/>
-              </a:ext>
-            </a:extLst>
-          </p:cNvPr>
-          <p:cNvSpPr>
-            <a:spLocks noGrp="1"/>
-          </p:cNvSpPr>
-          <p:nvPr>
-            <p:ph type="title"/>
-          </p:nvPr>
-        </p:nvSpPr>
-        <p:spPr/>
-        <p:txBody>
-          <a:bodyPr/>
-          <a:lstStyle/>
-          <a:p>
-            <a:r>
-              <a:rPr lang="en-US" dirty="0"/>
-              <a:t>Proposal</a:t>
-            </a:r>
-          </a:p>
-        </p:txBody>
-      </p:sp>
-      <p:sp>
-        <p:nvSpPr>
-          <p:cNvPr id="3" name="Content Placeholder 2">
-            <a:extLst>
-              <a:ext uri="{FF2B5EF4-FFF2-40B4-BE49-F238E27FC236}">
-                <a16:creationId xmlns:a16="http://schemas.microsoft.com/office/drawing/2014/main" id="{0AD89F4D-BFCE-9F4F-A0B8-C0E86F44D499}"/>
-              </a:ext>
-            </a:extLst>
-          </p:cNvPr>
-          <p:cNvSpPr>
-            <a:spLocks noGrp="1"/>
-          </p:cNvSpPr>
-          <p:nvPr>
-            <p:ph idx="1"/>
-          </p:nvPr>
-        </p:nvSpPr>
-        <p:spPr>
-          <a:xfrm>
-            <a:off x="838200" y="1506311"/>
-            <a:ext cx="10515600" cy="4212318"/>
-          </a:xfrm>
-        </p:spPr>
-        <p:txBody>
-          <a:bodyPr/>
-          <a:lstStyle/>
-          <a:p>
-            <a:endParaRPr lang="en-US" dirty="0"/>
-          </a:p>
-        </p:txBody>
-      </p:sp>
-      <p:sp>
-        <p:nvSpPr>
-          <p:cNvPr id="5" name="TextBox 4">
-            <a:extLst>
-              <a:ext uri="{FF2B5EF4-FFF2-40B4-BE49-F238E27FC236}">
-                <a16:creationId xmlns:a16="http://schemas.microsoft.com/office/drawing/2014/main" id="{5C61B607-6D04-6948-A0FE-05D553F326A0}"/>
+      <p:pic>
+        <p:nvPicPr>
+          <p:cNvPr id="5" name="Picture 4" descr="A close up of a map&#10;&#10;Description automatically generated">
+            <a:extLst>
+              <a:ext uri="{FF2B5EF4-FFF2-40B4-BE49-F238E27FC236}">
+                <a16:creationId xmlns:a16="http://schemas.microsoft.com/office/drawing/2014/main" id="{5352BE20-ADA7-5149-86D7-9BEAA39D9331}"/>
+              </a:ext>
+            </a:extLst>
+          </p:cNvPr>
+          <p:cNvPicPr>
+            <a:picLocks noChangeAspect="1"/>
+          </p:cNvPicPr>
+          <p:nvPr/>
+        </p:nvPicPr>
+        <p:blipFill>
+          <a:blip r:embed="rId2"/>
+          <a:stretch>
+            <a:fillRect/>
+          </a:stretch>
+        </p:blipFill>
+        <p:spPr>
+          <a:xfrm>
+            <a:off x="1336099" y="714041"/>
+            <a:ext cx="9519802" cy="5585694"/>
+          </a:xfrm>
+          <a:prstGeom prst="rect">
+            <a:avLst/>
+          </a:prstGeom>
+        </p:spPr>
+      </p:pic>
+      <p:sp>
+        <p:nvSpPr>
+          <p:cNvPr id="3" name="TextBox 2">
+            <a:extLst>
+              <a:ext uri="{FF2B5EF4-FFF2-40B4-BE49-F238E27FC236}">
+                <a16:creationId xmlns:a16="http://schemas.microsoft.com/office/drawing/2014/main" id="{EDB70AD9-71E6-443F-8C5D-0A00D762AA67}"/>
               </a:ext>
             </a:extLst>
           </p:cNvPr>
@@ -3537,7 +3530,7 @@
         </p:nvSpPr>
         <p:spPr>
           <a:xfrm>
-            <a:off x="442686" y="6075690"/>
+            <a:off x="0" y="6617218"/>
             <a:ext cx="9884229" cy="261610"/>
           </a:xfrm>
           <a:prstGeom prst="rect">
@@ -3558,10 +3551,45 @@
           </a:p>
         </p:txBody>
       </p:sp>
+      <p:sp>
+        <p:nvSpPr>
+          <p:cNvPr id="4" name="Title 1">
+            <a:extLst>
+              <a:ext uri="{FF2B5EF4-FFF2-40B4-BE49-F238E27FC236}">
+                <a16:creationId xmlns:a16="http://schemas.microsoft.com/office/drawing/2014/main" id="{28C9E805-0692-48D3-A19C-505F07A3F3A4}"/>
+              </a:ext>
+            </a:extLst>
+          </p:cNvPr>
+          <p:cNvSpPr>
+            <a:spLocks noGrp="1"/>
+          </p:cNvSpPr>
+          <p:nvPr>
+            <p:ph type="title"/>
+          </p:nvPr>
+        </p:nvSpPr>
+        <p:spPr>
+          <a:xfrm>
+            <a:off x="861205" y="-225083"/>
+            <a:ext cx="10515600" cy="1325563"/>
+          </a:xfrm>
+        </p:spPr>
+        <p:txBody>
+          <a:bodyPr>
+            <a:normAutofit/>
+          </a:bodyPr>
+          <a:lstStyle/>
+          <a:p>
+            <a:r>
+              <a:rPr lang="en-US" sz="4000" dirty="0"/>
+              <a:t>Jersey City Citi Bike Terminal Locations</a:t>
+            </a:r>
+          </a:p>
+        </p:txBody>
+      </p:sp>
     </p:spTree>
     <p:extLst>
       <p:ext uri="{BB962C8B-B14F-4D97-AF65-F5344CB8AC3E}">
-        <p14:creationId xmlns:p14="http://schemas.microsoft.com/office/powerpoint/2010/main" val="2752759567"/>
+        <p14:creationId xmlns:p14="http://schemas.microsoft.com/office/powerpoint/2010/main" val="2537264123"/>
       </p:ext>
     </p:extLst>
   </p:cSld>
@@ -3590,6 +3618,210 @@
       </p:grpSpPr>
       <p:sp>
         <p:nvSpPr>
+          <p:cNvPr id="4" name="TextBox 3">
+            <a:extLst>
+              <a:ext uri="{FF2B5EF4-FFF2-40B4-BE49-F238E27FC236}">
+                <a16:creationId xmlns:a16="http://schemas.microsoft.com/office/drawing/2014/main" id="{3AAEF556-728C-451A-A285-94B42BA1EC45}"/>
+              </a:ext>
+            </a:extLst>
+          </p:cNvPr>
+          <p:cNvSpPr txBox="1"/>
+          <p:nvPr/>
+        </p:nvSpPr>
+        <p:spPr>
+          <a:xfrm>
+            <a:off x="0" y="6617218"/>
+            <a:ext cx="9884229" cy="261610"/>
+          </a:xfrm>
+          <a:prstGeom prst="rect">
+            <a:avLst/>
+          </a:prstGeom>
+          <a:noFill/>
+        </p:spPr>
+        <p:txBody>
+          <a:bodyPr wrap="square" rtlCol="0">
+            <a:spAutoFit/>
+          </a:bodyPr>
+          <a:lstStyle/>
+          <a:p>
+            <a:r>
+              <a:rPr lang="en-US" sz="1100" dirty="0"/>
+              <a:t>Source: Citi Bike System Data; January 1, 2017 through December 31, 2019</a:t>
+            </a:r>
+          </a:p>
+        </p:txBody>
+      </p:sp>
+      <p:sp>
+        <p:nvSpPr>
+          <p:cNvPr id="6" name="Title 1">
+            <a:extLst>
+              <a:ext uri="{FF2B5EF4-FFF2-40B4-BE49-F238E27FC236}">
+                <a16:creationId xmlns:a16="http://schemas.microsoft.com/office/drawing/2014/main" id="{524CB5C7-0D95-4FCC-AFF1-B41D4B8EBB29}"/>
+              </a:ext>
+            </a:extLst>
+          </p:cNvPr>
+          <p:cNvSpPr>
+            <a:spLocks noGrp="1"/>
+          </p:cNvSpPr>
+          <p:nvPr>
+            <p:ph type="title"/>
+          </p:nvPr>
+        </p:nvSpPr>
+        <p:spPr>
+          <a:xfrm>
+            <a:off x="861205" y="168813"/>
+            <a:ext cx="10515600" cy="1325563"/>
+          </a:xfrm>
+        </p:spPr>
+        <p:txBody>
+          <a:bodyPr>
+            <a:normAutofit/>
+          </a:bodyPr>
+          <a:lstStyle/>
+          <a:p>
+            <a:r>
+              <a:rPr lang="en-US" sz="4000" dirty="0"/>
+              <a:t>Increase Bike Terminals in the Downtown Area</a:t>
+            </a:r>
+          </a:p>
+        </p:txBody>
+      </p:sp>
+      <p:sp>
+        <p:nvSpPr>
+          <p:cNvPr id="8" name="TextBox 7">
+            <a:extLst>
+              <a:ext uri="{FF2B5EF4-FFF2-40B4-BE49-F238E27FC236}">
+                <a16:creationId xmlns:a16="http://schemas.microsoft.com/office/drawing/2014/main" id="{266C3B28-AD1D-4816-A017-54C62497C1F5}"/>
+              </a:ext>
+            </a:extLst>
+          </p:cNvPr>
+          <p:cNvSpPr txBox="1"/>
+          <p:nvPr/>
+        </p:nvSpPr>
+        <p:spPr>
+          <a:xfrm>
+            <a:off x="706461" y="1703811"/>
+            <a:ext cx="5961625" cy="1477328"/>
+          </a:xfrm>
+          <a:prstGeom prst="rect">
+            <a:avLst/>
+          </a:prstGeom>
+          <a:noFill/>
+        </p:spPr>
+        <p:txBody>
+          <a:bodyPr wrap="square" rtlCol="0">
+            <a:spAutoFit/>
+          </a:bodyPr>
+          <a:lstStyle/>
+          <a:p>
+            <a:pPr marL="285750" indent="-285750">
+              <a:buFont typeface="Arial" panose="020B0604020202020204" pitchFamily="34" charset="0"/>
+              <a:buChar char="•"/>
+            </a:pPr>
+            <a:r>
+              <a:rPr lang="en-US" dirty="0"/>
+              <a:t>Predictive Model shows rider growth will continue with a 58% certainty</a:t>
+            </a:r>
+          </a:p>
+          <a:p>
+            <a:pPr marL="285750" indent="-285750">
+              <a:buFont typeface="Arial" panose="020B0604020202020204" pitchFamily="34" charset="0"/>
+              <a:buChar char="•"/>
+            </a:pPr>
+            <a:r>
+              <a:rPr lang="en-US" dirty="0"/>
+              <a:t>Get more Citi Bikes into the downtown area to meet the demand of current and future riders</a:t>
+            </a:r>
+          </a:p>
+          <a:p>
+            <a:pPr marL="285750" indent="-285750">
+              <a:buFont typeface="Arial" panose="020B0604020202020204" pitchFamily="34" charset="0"/>
+              <a:buChar char="•"/>
+            </a:pPr>
+            <a:r>
+              <a:rPr lang="en-US" b="1" dirty="0">
+                <a:solidFill>
+                  <a:srgbClr val="FF0000"/>
+                </a:solidFill>
+              </a:rPr>
+              <a:t>Look into cost if you can find</a:t>
+            </a:r>
+          </a:p>
+        </p:txBody>
+      </p:sp>
+      <p:pic>
+        <p:nvPicPr>
+          <p:cNvPr id="7" name="Picture 6">
+            <a:extLst>
+              <a:ext uri="{FF2B5EF4-FFF2-40B4-BE49-F238E27FC236}">
+                <a16:creationId xmlns:a16="http://schemas.microsoft.com/office/drawing/2014/main" id="{AAE5513F-2FC8-42C3-BFC5-C447C90FAEA9}"/>
+              </a:ext>
+            </a:extLst>
+          </p:cNvPr>
+          <p:cNvPicPr>
+            <a:picLocks noChangeAspect="1"/>
+          </p:cNvPicPr>
+          <p:nvPr/>
+        </p:nvPicPr>
+        <p:blipFill>
+          <a:blip r:embed="rId2"/>
+          <a:stretch>
+            <a:fillRect/>
+          </a:stretch>
+        </p:blipFill>
+        <p:spPr>
+          <a:xfrm>
+            <a:off x="6963508" y="1417823"/>
+            <a:ext cx="3942544" cy="4454852"/>
+          </a:xfrm>
+          <a:prstGeom prst="rect">
+            <a:avLst/>
+          </a:prstGeom>
+        </p:spPr>
+      </p:pic>
+    </p:spTree>
+    <p:extLst>
+      <p:ext uri="{BB962C8B-B14F-4D97-AF65-F5344CB8AC3E}">
+        <p14:creationId xmlns:p14="http://schemas.microsoft.com/office/powerpoint/2010/main" val="1639427167"/>
+      </p:ext>
+    </p:extLst>
+  </p:cSld>
+  <p:clrMapOvr>
+    <a:masterClrMapping/>
+  </p:clrMapOvr>
+</p:sld>
+</file>
+
+<file path=ppt/slides/slide12.xml><?xml version="1.0" encoding="utf-8"?>
+<p:sld xmlns:a="http://schemas.openxmlformats.org/drawingml/2006/main" xmlns:r="http://schemas.openxmlformats.org/officeDocument/2006/relationships" xmlns:p="http://schemas.openxmlformats.org/presentationml/2006/main">
+  <p:cSld>
+    <p:bg>
+      <p:bgPr>
+        <a:solidFill>
+          <a:schemeClr val="tx2">
+            <a:lumMod val="20000"/>
+            <a:lumOff val="80000"/>
+          </a:schemeClr>
+        </a:solidFill>
+        <a:effectLst/>
+      </p:bgPr>
+    </p:bg>
+    <p:spTree>
+      <p:nvGrpSpPr>
+        <p:cNvPr id="1" name=""/>
+        <p:cNvGrpSpPr/>
+        <p:nvPr/>
+      </p:nvGrpSpPr>
+      <p:grpSpPr>
+        <a:xfrm>
+          <a:off x="0" y="0"/>
+          <a:ext cx="0" cy="0"/>
+          <a:chOff x="0" y="0"/>
+          <a:chExt cx="0" cy="0"/>
+        </a:xfrm>
+      </p:grpSpPr>
+      <p:sp>
+        <p:nvSpPr>
           <p:cNvPr id="2" name="Title 1">
             <a:extLst>
               <a:ext uri="{FF2B5EF4-FFF2-40B4-BE49-F238E27FC236}">
@@ -3618,26 +3850,73 @@
       </p:sp>
       <p:sp>
         <p:nvSpPr>
-          <p:cNvPr id="3" name="Content Placeholder 2">
-            <a:extLst>
-              <a:ext uri="{FF2B5EF4-FFF2-40B4-BE49-F238E27FC236}">
-                <a16:creationId xmlns:a16="http://schemas.microsoft.com/office/drawing/2014/main" id="{E6602D23-001A-5F4F-B51C-DAB12A966614}"/>
-              </a:ext>
-            </a:extLst>
-          </p:cNvPr>
-          <p:cNvSpPr>
-            <a:spLocks noGrp="1"/>
-          </p:cNvSpPr>
-          <p:nvPr>
-            <p:ph idx="1"/>
-          </p:nvPr>
-        </p:nvSpPr>
-        <p:spPr/>
-        <p:txBody>
-          <a:bodyPr/>
-          <a:lstStyle/>
-          <a:p>
-            <a:endParaRPr lang="en-US"/>
+          <p:cNvPr id="4" name="TextBox 3">
+            <a:extLst>
+              <a:ext uri="{FF2B5EF4-FFF2-40B4-BE49-F238E27FC236}">
+                <a16:creationId xmlns:a16="http://schemas.microsoft.com/office/drawing/2014/main" id="{4CB3306E-5AF0-4E30-BA7F-518B9797DF31}"/>
+              </a:ext>
+            </a:extLst>
+          </p:cNvPr>
+          <p:cNvSpPr txBox="1"/>
+          <p:nvPr/>
+        </p:nvSpPr>
+        <p:spPr>
+          <a:xfrm>
+            <a:off x="622054" y="2011515"/>
+            <a:ext cx="9562955" cy="1938992"/>
+          </a:xfrm>
+          <a:prstGeom prst="rect">
+            <a:avLst/>
+          </a:prstGeom>
+          <a:noFill/>
+        </p:spPr>
+        <p:txBody>
+          <a:bodyPr wrap="square" rtlCol="0">
+            <a:spAutoFit/>
+          </a:bodyPr>
+          <a:lstStyle/>
+          <a:p>
+            <a:pPr marL="285750" indent="-285750">
+              <a:buFont typeface="Arial" panose="020B0604020202020204" pitchFamily="34" charset="0"/>
+              <a:buChar char="•"/>
+            </a:pPr>
+            <a:r>
+              <a:rPr lang="en-US" sz="2400" dirty="0"/>
+              <a:t>Work with Jersey City to identify bike terminal locations</a:t>
+            </a:r>
+          </a:p>
+          <a:p>
+            <a:pPr marL="285750" indent="-285750">
+              <a:buFont typeface="Arial" panose="020B0604020202020204" pitchFamily="34" charset="0"/>
+              <a:buChar char="•"/>
+            </a:pPr>
+            <a:r>
+              <a:rPr lang="en-US" sz="2400" dirty="0"/>
+              <a:t>Jersey City will provide cost proposal to Citi Bike</a:t>
+            </a:r>
+          </a:p>
+          <a:p>
+            <a:pPr marL="285750" indent="-285750">
+              <a:buFont typeface="Arial" panose="020B0604020202020204" pitchFamily="34" charset="0"/>
+              <a:buChar char="•"/>
+            </a:pPr>
+            <a:r>
+              <a:rPr lang="en-US" sz="2400" dirty="0"/>
+              <a:t>Citi Bike to understand our riders better to help market the new stations</a:t>
+            </a:r>
+          </a:p>
+          <a:p>
+            <a:pPr marL="285750" indent="-285750">
+              <a:buFont typeface="Arial" panose="020B0604020202020204" pitchFamily="34" charset="0"/>
+              <a:buChar char="•"/>
+            </a:pPr>
+            <a:r>
+              <a:rPr lang="en-US" sz="2400" dirty="0"/>
+              <a:t>Citi Bike to come up with a marketing plan to increase women usage </a:t>
+            </a:r>
+          </a:p>
+          <a:p>
+            <a:endParaRPr lang="en-US" sz="2400" dirty="0"/>
           </a:p>
         </p:txBody>
       </p:sp>
@@ -3657,6 +3936,17 @@
 <file path=ppt/slides/slide2.xml><?xml version="1.0" encoding="utf-8"?>
 <p:sld xmlns:a="http://schemas.openxmlformats.org/drawingml/2006/main" xmlns:r="http://schemas.openxmlformats.org/officeDocument/2006/relationships" xmlns:p="http://schemas.openxmlformats.org/presentationml/2006/main">
   <p:cSld>
+    <p:bg>
+      <p:bgPr>
+        <a:solidFill>
+          <a:schemeClr val="tx2">
+            <a:lumMod val="20000"/>
+            <a:lumOff val="80000"/>
+          </a:schemeClr>
+        </a:solidFill>
+        <a:effectLst/>
+      </p:bgPr>
+    </p:bg>
     <p:spTree>
       <p:nvGrpSpPr>
         <p:cNvPr id="1" name=""/>
@@ -3722,10 +4012,13 @@
           <a:p>
             <a:r>
               <a:rPr lang="en-US" dirty="0"/>
-              <a:t>General Information</a:t>
-            </a:r>
-          </a:p>
-          <a:p>
+              <a:t>Rider Information</a:t>
+            </a:r>
+          </a:p>
+          <a:p>
+            <a:pPr marL="0" indent="0">
+              <a:buNone/>
+            </a:pPr>
             <a:endParaRPr lang="en-US" dirty="0"/>
           </a:p>
           <a:p>
@@ -3799,14 +4092,21 @@
             <p:ph type="title"/>
           </p:nvPr>
         </p:nvSpPr>
-        <p:spPr/>
-        <p:txBody>
-          <a:bodyPr/>
-          <a:lstStyle/>
-          <a:p>
-            <a:r>
-              <a:rPr lang="en-US" dirty="0"/>
-              <a:t>General Information</a:t>
+        <p:spPr>
+          <a:xfrm>
+            <a:off x="861205" y="168813"/>
+            <a:ext cx="10515600" cy="1325563"/>
+          </a:xfrm>
+        </p:spPr>
+        <p:txBody>
+          <a:bodyPr>
+            <a:normAutofit/>
+          </a:bodyPr>
+          <a:lstStyle/>
+          <a:p>
+            <a:r>
+              <a:rPr lang="en-US" sz="4000" dirty="0"/>
+              <a:t>Citi Bike riders have logged 9.56 million minutes over the last 3 years  </a:t>
             </a:r>
           </a:p>
         </p:txBody>
@@ -3835,8 +4135,8 @@
         </p:blipFill>
         <p:spPr>
           <a:xfrm>
-            <a:off x="838200" y="1562118"/>
-            <a:ext cx="5280805" cy="4716445"/>
+            <a:off x="8887491" y="2873705"/>
+            <a:ext cx="3013336" cy="2691301"/>
           </a:xfrm>
         </p:spPr>
       </p:pic>
@@ -3862,14 +4162,118 @@
         </p:blipFill>
         <p:spPr>
           <a:xfrm>
-            <a:off x="7170057" y="0"/>
-            <a:ext cx="3120572" cy="6858000"/>
+            <a:off x="5923457" y="1494376"/>
+            <a:ext cx="2390549" cy="5253647"/>
           </a:xfrm>
           <a:prstGeom prst="rect">
             <a:avLst/>
           </a:prstGeom>
         </p:spPr>
       </p:pic>
+      <p:sp>
+        <p:nvSpPr>
+          <p:cNvPr id="3" name="TextBox 2">
+            <a:extLst>
+              <a:ext uri="{FF2B5EF4-FFF2-40B4-BE49-F238E27FC236}">
+                <a16:creationId xmlns:a16="http://schemas.microsoft.com/office/drawing/2014/main" id="{7FE68CD2-A420-445A-96E9-29D5484A9114}"/>
+              </a:ext>
+            </a:extLst>
+          </p:cNvPr>
+          <p:cNvSpPr txBox="1"/>
+          <p:nvPr/>
+        </p:nvSpPr>
+        <p:spPr>
+          <a:xfrm>
+            <a:off x="861205" y="2155720"/>
+            <a:ext cx="4357909" cy="1754326"/>
+          </a:xfrm>
+          <a:prstGeom prst="rect">
+            <a:avLst/>
+          </a:prstGeom>
+          <a:noFill/>
+        </p:spPr>
+        <p:txBody>
+          <a:bodyPr wrap="square" rtlCol="0">
+            <a:spAutoFit/>
+          </a:bodyPr>
+          <a:lstStyle/>
+          <a:p>
+            <a:pPr marL="285750" indent="-285750">
+              <a:buFont typeface="Arial" panose="020B0604020202020204" pitchFamily="34" charset="0"/>
+              <a:buChar char="•"/>
+            </a:pPr>
+            <a:r>
+              <a:rPr lang="en-US" dirty="0"/>
+              <a:t>Male riders account for 71.7% of Citi Bike Rides</a:t>
+            </a:r>
+          </a:p>
+          <a:p>
+            <a:pPr marL="742950" lvl="1" indent="-285750">
+              <a:buFont typeface="Arial" panose="020B0604020202020204" pitchFamily="34" charset="0"/>
+              <a:buChar char="•"/>
+            </a:pPr>
+            <a:r>
+              <a:rPr lang="en-US" dirty="0"/>
+              <a:t>Female Riders = 21.7% of rides</a:t>
+            </a:r>
+          </a:p>
+          <a:p>
+            <a:pPr marL="742950" lvl="1" indent="-285750">
+              <a:buFont typeface="Arial" panose="020B0604020202020204" pitchFamily="34" charset="0"/>
+              <a:buChar char="•"/>
+            </a:pPr>
+            <a:r>
+              <a:rPr lang="en-US" dirty="0"/>
+              <a:t>Unknown = 6.5% of rides</a:t>
+            </a:r>
+          </a:p>
+          <a:p>
+            <a:pPr marL="285750" indent="-285750">
+              <a:buFont typeface="Arial" panose="020B0604020202020204" pitchFamily="34" charset="0"/>
+              <a:buChar char="•"/>
+            </a:pPr>
+            <a:r>
+              <a:rPr lang="en-US" dirty="0"/>
+              <a:t>Rider median age is similar for Men and Women</a:t>
+            </a:r>
+          </a:p>
+        </p:txBody>
+      </p:sp>
+      <p:sp>
+        <p:nvSpPr>
+          <p:cNvPr id="6" name="TextBox 5">
+            <a:extLst>
+              <a:ext uri="{FF2B5EF4-FFF2-40B4-BE49-F238E27FC236}">
+                <a16:creationId xmlns:a16="http://schemas.microsoft.com/office/drawing/2014/main" id="{FD010D5A-2142-4CA3-B934-130DF637B51B}"/>
+              </a:ext>
+            </a:extLst>
+          </p:cNvPr>
+          <p:cNvSpPr txBox="1"/>
+          <p:nvPr/>
+        </p:nvSpPr>
+        <p:spPr>
+          <a:xfrm>
+            <a:off x="0" y="6617218"/>
+            <a:ext cx="9884229" cy="261610"/>
+          </a:xfrm>
+          <a:prstGeom prst="rect">
+            <a:avLst/>
+          </a:prstGeom>
+          <a:noFill/>
+        </p:spPr>
+        <p:txBody>
+          <a:bodyPr wrap="square" rtlCol="0">
+            <a:spAutoFit/>
+          </a:bodyPr>
+          <a:lstStyle/>
+          <a:p>
+            <a:r>
+              <a:rPr lang="en-US" sz="1100" dirty="0"/>
+              <a:t>Source: Citi Bike System Data; January 1, 2017 through December 31, 2019</a:t>
+            </a:r>
+          </a:p>
+        </p:txBody>
+      </p:sp>
     </p:spTree>
     <p:extLst>
       <p:ext uri="{BB962C8B-B14F-4D97-AF65-F5344CB8AC3E}">
@@ -3902,10 +4306,10 @@
       </p:grpSpPr>
       <p:pic>
         <p:nvPicPr>
-          <p:cNvPr id="5" name="Content Placeholder 4" descr="A close up of text on a white background&#10;&#10;Description automatically generated">
-            <a:extLst>
-              <a:ext uri="{FF2B5EF4-FFF2-40B4-BE49-F238E27FC236}">
-                <a16:creationId xmlns:a16="http://schemas.microsoft.com/office/drawing/2014/main" id="{72D35A71-94B7-694C-B1DE-DD1EC51C5BF8}"/>
+          <p:cNvPr id="5" name="Content Placeholder 4" descr="A view of a city&#10;&#10;Description automatically generated">
+            <a:extLst>
+              <a:ext uri="{FF2B5EF4-FFF2-40B4-BE49-F238E27FC236}">
+                <a16:creationId xmlns:a16="http://schemas.microsoft.com/office/drawing/2014/main" id="{D3431EF8-D354-8A43-B427-CBEBD8F09695}"/>
               </a:ext>
             </a:extLst>
           </p:cNvPr>
@@ -3924,45 +4328,134 @@
         </p:blipFill>
         <p:spPr>
           <a:xfrm>
-            <a:off x="6096002" y="1753054"/>
-            <a:ext cx="1343005" cy="4351338"/>
+            <a:off x="675249" y="1702987"/>
+            <a:ext cx="10775853" cy="4780303"/>
           </a:xfrm>
         </p:spPr>
       </p:pic>
-      <p:pic>
-        <p:nvPicPr>
-          <p:cNvPr id="7" name="Picture 6" descr="A screenshot of a cell phone&#10;&#10;Description automatically generated">
-            <a:extLst>
-              <a:ext uri="{FF2B5EF4-FFF2-40B4-BE49-F238E27FC236}">
-                <a16:creationId xmlns:a16="http://schemas.microsoft.com/office/drawing/2014/main" id="{F6E80BDD-0BA3-FE4E-88FF-2724A1F419C2}"/>
-              </a:ext>
-            </a:extLst>
-          </p:cNvPr>
-          <p:cNvPicPr>
-            <a:picLocks noChangeAspect="1"/>
-          </p:cNvPicPr>
+      <p:sp>
+        <p:nvSpPr>
+          <p:cNvPr id="3" name="TextBox 2">
+            <a:extLst>
+              <a:ext uri="{FF2B5EF4-FFF2-40B4-BE49-F238E27FC236}">
+                <a16:creationId xmlns:a16="http://schemas.microsoft.com/office/drawing/2014/main" id="{16820172-878A-494C-B0EB-361970D4F9CE}"/>
+              </a:ext>
+            </a:extLst>
+          </p:cNvPr>
+          <p:cNvSpPr txBox="1"/>
           <p:nvPr/>
-        </p:nvPicPr>
-        <p:blipFill>
-          <a:blip r:embed="rId3"/>
-          <a:stretch>
-            <a:fillRect/>
-          </a:stretch>
-        </p:blipFill>
-        <p:spPr>
-          <a:xfrm>
-            <a:off x="875131" y="0"/>
-            <a:ext cx="4549366" cy="6858000"/>
+        </p:nvSpPr>
+        <p:spPr>
+          <a:xfrm>
+            <a:off x="0" y="6617218"/>
+            <a:ext cx="9884229" cy="261610"/>
           </a:xfrm>
           <a:prstGeom prst="rect">
             <a:avLst/>
           </a:prstGeom>
-        </p:spPr>
-      </p:pic>
+          <a:noFill/>
+        </p:spPr>
+        <p:txBody>
+          <a:bodyPr wrap="square" rtlCol="0">
+            <a:spAutoFit/>
+          </a:bodyPr>
+          <a:lstStyle/>
+          <a:p>
+            <a:r>
+              <a:rPr lang="en-US" sz="1100" dirty="0"/>
+              <a:t>Source: Citi Bike System Data; January 1, 2017 through December 31, 2019</a:t>
+            </a:r>
+          </a:p>
+        </p:txBody>
+      </p:sp>
+      <p:sp>
+        <p:nvSpPr>
+          <p:cNvPr id="4" name="Title 1">
+            <a:extLst>
+              <a:ext uri="{FF2B5EF4-FFF2-40B4-BE49-F238E27FC236}">
+                <a16:creationId xmlns:a16="http://schemas.microsoft.com/office/drawing/2014/main" id="{E8534C2C-044B-4617-8EA3-FF1E92F72CEB}"/>
+              </a:ext>
+            </a:extLst>
+          </p:cNvPr>
+          <p:cNvSpPr>
+            <a:spLocks noGrp="1"/>
+          </p:cNvSpPr>
+          <p:nvPr>
+            <p:ph type="title"/>
+          </p:nvPr>
+        </p:nvSpPr>
+        <p:spPr>
+          <a:xfrm>
+            <a:off x="861205" y="168813"/>
+            <a:ext cx="10515600" cy="1325563"/>
+          </a:xfrm>
+        </p:spPr>
+        <p:txBody>
+          <a:bodyPr>
+            <a:normAutofit/>
+          </a:bodyPr>
+          <a:lstStyle/>
+          <a:p>
+            <a:r>
+              <a:rPr lang="en-US" sz="4000" dirty="0"/>
+              <a:t>54.8% of riders are between the ages of 28-40</a:t>
+            </a:r>
+          </a:p>
+        </p:txBody>
+      </p:sp>
+      <p:sp>
+        <p:nvSpPr>
+          <p:cNvPr id="6" name="TextBox 5">
+            <a:extLst>
+              <a:ext uri="{FF2B5EF4-FFF2-40B4-BE49-F238E27FC236}">
+                <a16:creationId xmlns:a16="http://schemas.microsoft.com/office/drawing/2014/main" id="{BB915F97-3D34-4AA7-BCA8-D94905150F5A}"/>
+              </a:ext>
+            </a:extLst>
+          </p:cNvPr>
+          <p:cNvSpPr txBox="1"/>
+          <p:nvPr/>
+        </p:nvSpPr>
+        <p:spPr>
+          <a:xfrm>
+            <a:off x="7018896" y="2551837"/>
+            <a:ext cx="4357909" cy="646331"/>
+          </a:xfrm>
+          <a:prstGeom prst="rect">
+            <a:avLst/>
+          </a:prstGeom>
+          <a:noFill/>
+        </p:spPr>
+        <p:txBody>
+          <a:bodyPr wrap="square" rtlCol="0">
+            <a:spAutoFit/>
+          </a:bodyPr>
+          <a:lstStyle/>
+          <a:p>
+            <a:pPr marL="285750" indent="-285750">
+              <a:buFont typeface="Arial" panose="020B0604020202020204" pitchFamily="34" charset="0"/>
+              <a:buChar char="•"/>
+            </a:pPr>
+            <a:r>
+              <a:rPr lang="en-US" dirty="0"/>
+              <a:t>Riders tend to be older in age</a:t>
+            </a:r>
+          </a:p>
+          <a:p>
+            <a:pPr marL="285750" indent="-285750">
+              <a:buFont typeface="Arial" panose="020B0604020202020204" pitchFamily="34" charset="0"/>
+              <a:buChar char="•"/>
+            </a:pPr>
+            <a:r>
+              <a:rPr lang="en-US" dirty="0"/>
+              <a:t>51 year old riders spike</a:t>
+            </a:r>
+          </a:p>
+        </p:txBody>
+      </p:sp>
     </p:spTree>
     <p:extLst>
       <p:ext uri="{BB962C8B-B14F-4D97-AF65-F5344CB8AC3E}">
-        <p14:creationId xmlns:p14="http://schemas.microsoft.com/office/powerpoint/2010/main" val="4107655241"/>
+        <p14:creationId xmlns:p14="http://schemas.microsoft.com/office/powerpoint/2010/main" val="1026945431"/>
       </p:ext>
     </p:extLst>
   </p:cSld>
@@ -3991,19 +4484,17 @@
       </p:grpSpPr>
       <p:pic>
         <p:nvPicPr>
-          <p:cNvPr id="5" name="Content Placeholder 4" descr="A screenshot of a cell phone&#10;&#10;Description automatically generated">
-            <a:extLst>
-              <a:ext uri="{FF2B5EF4-FFF2-40B4-BE49-F238E27FC236}">
-                <a16:creationId xmlns:a16="http://schemas.microsoft.com/office/drawing/2014/main" id="{2B9DA7EC-290C-3746-8A4B-D7118EACB5E5}"/>
+          <p:cNvPr id="7" name="Picture 6" descr="A screenshot of a cell phone&#10;&#10;Description automatically generated">
+            <a:extLst>
+              <a:ext uri="{FF2B5EF4-FFF2-40B4-BE49-F238E27FC236}">
+                <a16:creationId xmlns:a16="http://schemas.microsoft.com/office/drawing/2014/main" id="{F6E80BDD-0BA3-FE4E-88FF-2724A1F419C2}"/>
               </a:ext>
             </a:extLst>
           </p:cNvPr>
           <p:cNvPicPr>
-            <a:picLocks noGrp="1" noChangeAspect="1"/>
+            <a:picLocks noChangeAspect="1"/>
           </p:cNvPicPr>
-          <p:nvPr>
-            <p:ph idx="1"/>
-          </p:nvPr>
+          <p:nvPr/>
         </p:nvPicPr>
         <p:blipFill>
           <a:blip r:embed="rId2"/>
@@ -4013,24 +4504,29 @@
         </p:blipFill>
         <p:spPr>
           <a:xfrm>
-            <a:off x="0" y="1690688"/>
-            <a:ext cx="3300398" cy="4351338"/>
-          </a:xfrm>
+            <a:off x="5837117" y="979997"/>
+            <a:ext cx="4047112" cy="5768026"/>
+          </a:xfrm>
+          <a:prstGeom prst="rect">
+            <a:avLst/>
+          </a:prstGeom>
         </p:spPr>
       </p:pic>
       <p:pic>
         <p:nvPicPr>
-          <p:cNvPr id="7" name="Picture 6" descr="A screenshot of a cell phone&#10;&#10;Description automatically generated">
-            <a:extLst>
-              <a:ext uri="{FF2B5EF4-FFF2-40B4-BE49-F238E27FC236}">
-                <a16:creationId xmlns:a16="http://schemas.microsoft.com/office/drawing/2014/main" id="{4D1869FF-A94D-C84F-AC40-FE8827768B4F}"/>
+          <p:cNvPr id="5" name="Content Placeholder 4" descr="A close up of text on a white background&#10;&#10;Description automatically generated">
+            <a:extLst>
+              <a:ext uri="{FF2B5EF4-FFF2-40B4-BE49-F238E27FC236}">
+                <a16:creationId xmlns:a16="http://schemas.microsoft.com/office/drawing/2014/main" id="{72D35A71-94B7-694C-B1DE-DD1EC51C5BF8}"/>
               </a:ext>
             </a:extLst>
           </p:cNvPr>
           <p:cNvPicPr>
-            <a:picLocks noChangeAspect="1"/>
+            <a:picLocks noGrp="1" noChangeAspect="1"/>
           </p:cNvPicPr>
-          <p:nvPr/>
+          <p:nvPr>
+            <p:ph idx="1"/>
+          </p:nvPr>
         </p:nvPicPr>
         <p:blipFill>
           <a:blip r:embed="rId3"/>
@@ -4040,18 +4536,138 @@
         </p:blipFill>
         <p:spPr>
           <a:xfrm>
-            <a:off x="3818615" y="0"/>
-            <a:ext cx="8373385" cy="6858000"/>
+            <a:off x="10038974" y="1324136"/>
+            <a:ext cx="1641900" cy="5319758"/>
+          </a:xfrm>
+        </p:spPr>
+      </p:pic>
+      <p:sp>
+        <p:nvSpPr>
+          <p:cNvPr id="4" name="TextBox 3">
+            <a:extLst>
+              <a:ext uri="{FF2B5EF4-FFF2-40B4-BE49-F238E27FC236}">
+                <a16:creationId xmlns:a16="http://schemas.microsoft.com/office/drawing/2014/main" id="{46F0EABA-5D04-4E97-ADC2-F078D41E8D7B}"/>
+              </a:ext>
+            </a:extLst>
+          </p:cNvPr>
+          <p:cNvSpPr txBox="1"/>
+          <p:nvPr/>
+        </p:nvSpPr>
+        <p:spPr>
+          <a:xfrm>
+            <a:off x="0" y="6617218"/>
+            <a:ext cx="9884229" cy="261610"/>
           </a:xfrm>
           <a:prstGeom prst="rect">
             <a:avLst/>
           </a:prstGeom>
-        </p:spPr>
-      </p:pic>
+          <a:noFill/>
+        </p:spPr>
+        <p:txBody>
+          <a:bodyPr wrap="square" rtlCol="0">
+            <a:spAutoFit/>
+          </a:bodyPr>
+          <a:lstStyle/>
+          <a:p>
+            <a:r>
+              <a:rPr lang="en-US" sz="1100" dirty="0"/>
+              <a:t>Source: Citi Bike System Data; January 1, 2017 through December 31, 2019</a:t>
+            </a:r>
+          </a:p>
+        </p:txBody>
+      </p:sp>
+      <p:sp>
+        <p:nvSpPr>
+          <p:cNvPr id="6" name="Title 1">
+            <a:extLst>
+              <a:ext uri="{FF2B5EF4-FFF2-40B4-BE49-F238E27FC236}">
+                <a16:creationId xmlns:a16="http://schemas.microsoft.com/office/drawing/2014/main" id="{74177C5E-A379-4292-8D74-4E776FF3B598}"/>
+              </a:ext>
+            </a:extLst>
+          </p:cNvPr>
+          <p:cNvSpPr>
+            <a:spLocks noGrp="1"/>
+          </p:cNvSpPr>
+          <p:nvPr>
+            <p:ph type="title"/>
+          </p:nvPr>
+        </p:nvSpPr>
+        <p:spPr>
+          <a:xfrm>
+            <a:off x="189580" y="133370"/>
+            <a:ext cx="10515600" cy="1325563"/>
+          </a:xfrm>
+        </p:spPr>
+        <p:txBody>
+          <a:bodyPr>
+            <a:normAutofit/>
+          </a:bodyPr>
+          <a:lstStyle/>
+          <a:p>
+            <a:r>
+              <a:rPr lang="en-US" sz="4000" dirty="0"/>
+              <a:t>37.3% increase in rides since 2017</a:t>
+            </a:r>
+          </a:p>
+        </p:txBody>
+      </p:sp>
+      <p:sp>
+        <p:nvSpPr>
+          <p:cNvPr id="8" name="TextBox 7">
+            <a:extLst>
+              <a:ext uri="{FF2B5EF4-FFF2-40B4-BE49-F238E27FC236}">
+                <a16:creationId xmlns:a16="http://schemas.microsoft.com/office/drawing/2014/main" id="{257417BE-6F1C-4CC3-AF7C-BF902188C129}"/>
+              </a:ext>
+            </a:extLst>
+          </p:cNvPr>
+          <p:cNvSpPr txBox="1"/>
+          <p:nvPr/>
+        </p:nvSpPr>
+        <p:spPr>
+          <a:xfrm>
+            <a:off x="861205" y="2155720"/>
+            <a:ext cx="4357909" cy="923330"/>
+          </a:xfrm>
+          <a:prstGeom prst="rect">
+            <a:avLst/>
+          </a:prstGeom>
+          <a:noFill/>
+        </p:spPr>
+        <p:txBody>
+          <a:bodyPr wrap="square" rtlCol="0">
+            <a:spAutoFit/>
+          </a:bodyPr>
+          <a:lstStyle/>
+          <a:p>
+            <a:pPr marL="285750" indent="-285750">
+              <a:buFont typeface="Arial" panose="020B0604020202020204" pitchFamily="34" charset="0"/>
+              <a:buChar char="•"/>
+            </a:pPr>
+            <a:r>
+              <a:rPr lang="en-US" dirty="0"/>
+              <a:t>Subscribers account for 92.3% of all rides</a:t>
+            </a:r>
+          </a:p>
+          <a:p>
+            <a:pPr marL="285750" indent="-285750">
+              <a:buFont typeface="Arial" panose="020B0604020202020204" pitchFamily="34" charset="0"/>
+              <a:buChar char="•"/>
+            </a:pPr>
+            <a:r>
+              <a:rPr lang="en-US" b="1" dirty="0">
+                <a:solidFill>
+                  <a:srgbClr val="FF0000"/>
+                </a:solidFill>
+              </a:rPr>
+              <a:t>Explain differences of Customer/Subscribe</a:t>
+            </a:r>
+          </a:p>
+        </p:txBody>
+      </p:sp>
     </p:spTree>
     <p:extLst>
       <p:ext uri="{BB962C8B-B14F-4D97-AF65-F5344CB8AC3E}">
-        <p14:creationId xmlns:p14="http://schemas.microsoft.com/office/powerpoint/2010/main" val="3784784022"/>
+        <p14:creationId xmlns:p14="http://schemas.microsoft.com/office/powerpoint/2010/main" val="4107655241"/>
       </p:ext>
     </p:extLst>
   </p:cSld>
@@ -4080,19 +4696,17 @@
       </p:grpSpPr>
       <p:pic>
         <p:nvPicPr>
-          <p:cNvPr id="9" name="Content Placeholder 8" descr="A screen shot of a computer&#10;&#10;Description automatically generated">
-            <a:extLst>
-              <a:ext uri="{FF2B5EF4-FFF2-40B4-BE49-F238E27FC236}">
-                <a16:creationId xmlns:a16="http://schemas.microsoft.com/office/drawing/2014/main" id="{D26F4CCA-340C-5044-BC0A-83A3E4AA518D}"/>
+          <p:cNvPr id="7" name="Picture 6" descr="A screenshot of a cell phone&#10;&#10;Description automatically generated">
+            <a:extLst>
+              <a:ext uri="{FF2B5EF4-FFF2-40B4-BE49-F238E27FC236}">
+                <a16:creationId xmlns:a16="http://schemas.microsoft.com/office/drawing/2014/main" id="{4D1869FF-A94D-C84F-AC40-FE8827768B4F}"/>
               </a:ext>
             </a:extLst>
           </p:cNvPr>
           <p:cNvPicPr>
-            <a:picLocks noGrp="1" noChangeAspect="1"/>
+            <a:picLocks noChangeAspect="1"/>
           </p:cNvPicPr>
-          <p:nvPr>
-            <p:ph idx="1"/>
-          </p:nvPr>
+          <p:nvPr/>
         </p:nvPicPr>
         <p:blipFill>
           <a:blip r:embed="rId2"/>
@@ -4102,15 +4716,189 @@
         </p:blipFill>
         <p:spPr>
           <a:xfrm>
-            <a:off x="1794335" y="1825625"/>
-            <a:ext cx="8603330" cy="4351338"/>
-          </a:xfrm>
+            <a:off x="5646554" y="1665615"/>
+            <a:ext cx="5461564" cy="4473149"/>
+          </a:xfrm>
+          <a:prstGeom prst="rect">
+            <a:avLst/>
+          </a:prstGeom>
         </p:spPr>
       </p:pic>
+      <p:sp>
+        <p:nvSpPr>
+          <p:cNvPr id="4" name="TextBox 3">
+            <a:extLst>
+              <a:ext uri="{FF2B5EF4-FFF2-40B4-BE49-F238E27FC236}">
+                <a16:creationId xmlns:a16="http://schemas.microsoft.com/office/drawing/2014/main" id="{3AAEF556-728C-451A-A285-94B42BA1EC45}"/>
+              </a:ext>
+            </a:extLst>
+          </p:cNvPr>
+          <p:cNvSpPr txBox="1"/>
+          <p:nvPr/>
+        </p:nvSpPr>
+        <p:spPr>
+          <a:xfrm>
+            <a:off x="0" y="6617218"/>
+            <a:ext cx="9884229" cy="261610"/>
+          </a:xfrm>
+          <a:prstGeom prst="rect">
+            <a:avLst/>
+          </a:prstGeom>
+          <a:noFill/>
+        </p:spPr>
+        <p:txBody>
+          <a:bodyPr wrap="square" rtlCol="0">
+            <a:spAutoFit/>
+          </a:bodyPr>
+          <a:lstStyle/>
+          <a:p>
+            <a:r>
+              <a:rPr lang="en-US" sz="1100" dirty="0"/>
+              <a:t>Source: Citi Bike System Data; January 1, 2017 through December 31, 2019</a:t>
+            </a:r>
+          </a:p>
+        </p:txBody>
+      </p:sp>
+      <p:sp>
+        <p:nvSpPr>
+          <p:cNvPr id="6" name="Rectangle 5">
+            <a:extLst>
+              <a:ext uri="{FF2B5EF4-FFF2-40B4-BE49-F238E27FC236}">
+                <a16:creationId xmlns:a16="http://schemas.microsoft.com/office/drawing/2014/main" id="{9E543353-6662-4542-9D07-46531E0AA57C}"/>
+              </a:ext>
+            </a:extLst>
+          </p:cNvPr>
+          <p:cNvSpPr/>
+          <p:nvPr/>
+        </p:nvSpPr>
+        <p:spPr>
+          <a:xfrm>
+            <a:off x="7793501" y="1972830"/>
+            <a:ext cx="2475914" cy="4020007"/>
+          </a:xfrm>
+          <a:prstGeom prst="rect">
+            <a:avLst/>
+          </a:prstGeom>
+          <a:noFill/>
+          <a:ln w="38100">
+            <a:solidFill>
+              <a:schemeClr val="tx1"/>
+            </a:solidFill>
+          </a:ln>
+        </p:spPr>
+        <p:style>
+          <a:lnRef idx="2">
+            <a:schemeClr val="accent1">
+              <a:shade val="50000"/>
+            </a:schemeClr>
+          </a:lnRef>
+          <a:fillRef idx="1">
+            <a:schemeClr val="accent1"/>
+          </a:fillRef>
+          <a:effectRef idx="0">
+            <a:schemeClr val="accent1"/>
+          </a:effectRef>
+          <a:fontRef idx="minor">
+            <a:schemeClr val="lt1"/>
+          </a:fontRef>
+        </p:style>
+        <p:txBody>
+          <a:bodyPr rtlCol="0" anchor="ctr"/>
+          <a:lstStyle/>
+          <a:p>
+            <a:pPr algn="ctr"/>
+            <a:endParaRPr lang="en-US"/>
+          </a:p>
+        </p:txBody>
+      </p:sp>
+      <p:sp>
+        <p:nvSpPr>
+          <p:cNvPr id="8" name="Title 1">
+            <a:extLst>
+              <a:ext uri="{FF2B5EF4-FFF2-40B4-BE49-F238E27FC236}">
+                <a16:creationId xmlns:a16="http://schemas.microsoft.com/office/drawing/2014/main" id="{25D739ED-1090-44E1-813E-9BE0DDD60179}"/>
+              </a:ext>
+            </a:extLst>
+          </p:cNvPr>
+          <p:cNvSpPr>
+            <a:spLocks noGrp="1"/>
+          </p:cNvSpPr>
+          <p:nvPr>
+            <p:ph type="title"/>
+          </p:nvPr>
+        </p:nvSpPr>
+        <p:spPr>
+          <a:xfrm>
+            <a:off x="861205" y="168813"/>
+            <a:ext cx="10515600" cy="1325563"/>
+          </a:xfrm>
+        </p:spPr>
+        <p:txBody>
+          <a:bodyPr>
+            <a:normAutofit/>
+          </a:bodyPr>
+          <a:lstStyle/>
+          <a:p>
+            <a:r>
+              <a:rPr lang="en-US" sz="4000" dirty="0"/>
+              <a:t>Ride usage peaks from May - October</a:t>
+            </a:r>
+          </a:p>
+        </p:txBody>
+      </p:sp>
+      <p:sp>
+        <p:nvSpPr>
+          <p:cNvPr id="10" name="TextBox 9">
+            <a:extLst>
+              <a:ext uri="{FF2B5EF4-FFF2-40B4-BE49-F238E27FC236}">
+                <a16:creationId xmlns:a16="http://schemas.microsoft.com/office/drawing/2014/main" id="{4D2E2C08-47A0-4A80-847A-50DB1A142C4E}"/>
+              </a:ext>
+            </a:extLst>
+          </p:cNvPr>
+          <p:cNvSpPr txBox="1"/>
+          <p:nvPr/>
+        </p:nvSpPr>
+        <p:spPr>
+          <a:xfrm>
+            <a:off x="861205" y="2155720"/>
+            <a:ext cx="4357909" cy="1200329"/>
+          </a:xfrm>
+          <a:prstGeom prst="rect">
+            <a:avLst/>
+          </a:prstGeom>
+          <a:noFill/>
+        </p:spPr>
+        <p:txBody>
+          <a:bodyPr wrap="square" rtlCol="0">
+            <a:spAutoFit/>
+          </a:bodyPr>
+          <a:lstStyle/>
+          <a:p>
+            <a:pPr marL="285750" indent="-285750">
+              <a:buFont typeface="Arial" panose="020B0604020202020204" pitchFamily="34" charset="0"/>
+              <a:buChar char="•"/>
+            </a:pPr>
+            <a:r>
+              <a:rPr lang="en-US" dirty="0"/>
+              <a:t>Ride usage peaks in August  with 128,615 trips</a:t>
+            </a:r>
+          </a:p>
+          <a:p>
+            <a:pPr marL="285750" indent="-285750">
+              <a:buFont typeface="Arial" panose="020B0604020202020204" pitchFamily="34" charset="0"/>
+              <a:buChar char="•"/>
+            </a:pPr>
+            <a:r>
+              <a:rPr lang="en-US" dirty="0"/>
+              <a:t> Usage goes down during the winter months</a:t>
+            </a:r>
+          </a:p>
+        </p:txBody>
+      </p:sp>
     </p:spTree>
     <p:extLst>
       <p:ext uri="{BB962C8B-B14F-4D97-AF65-F5344CB8AC3E}">
-        <p14:creationId xmlns:p14="http://schemas.microsoft.com/office/powerpoint/2010/main" val="4069667810"/>
+        <p14:creationId xmlns:p14="http://schemas.microsoft.com/office/powerpoint/2010/main" val="3784784022"/>
       </p:ext>
     </p:extLst>
   </p:cSld>
@@ -4139,10 +4927,10 @@
       </p:grpSpPr>
       <p:pic>
         <p:nvPicPr>
-          <p:cNvPr id="5" name="Content Placeholder 4" descr="A screen shot of a computer&#10;&#10;Description automatically generated">
-            <a:extLst>
-              <a:ext uri="{FF2B5EF4-FFF2-40B4-BE49-F238E27FC236}">
-                <a16:creationId xmlns:a16="http://schemas.microsoft.com/office/drawing/2014/main" id="{88589126-2F58-FE4F-A1C9-C532C2FA9703}"/>
+          <p:cNvPr id="9" name="Content Placeholder 8" descr="A screen shot of a computer&#10;&#10;Description automatically generated">
+            <a:extLst>
+              <a:ext uri="{FF2B5EF4-FFF2-40B4-BE49-F238E27FC236}">
+                <a16:creationId xmlns:a16="http://schemas.microsoft.com/office/drawing/2014/main" id="{D26F4CCA-340C-5044-BC0A-83A3E4AA518D}"/>
               </a:ext>
             </a:extLst>
           </p:cNvPr>
@@ -4161,15 +4949,323 @@
         </p:blipFill>
         <p:spPr>
           <a:xfrm>
-            <a:off x="1794335" y="1825625"/>
-            <a:ext cx="8603330" cy="4351338"/>
+            <a:off x="15909" y="2405699"/>
+            <a:ext cx="5942442" cy="3005531"/>
           </a:xfrm>
         </p:spPr>
       </p:pic>
+      <p:sp>
+        <p:nvSpPr>
+          <p:cNvPr id="3" name="TextBox 2">
+            <a:extLst>
+              <a:ext uri="{FF2B5EF4-FFF2-40B4-BE49-F238E27FC236}">
+                <a16:creationId xmlns:a16="http://schemas.microsoft.com/office/drawing/2014/main" id="{B0092068-0ECB-4A00-BDEE-43A3C82292BF}"/>
+              </a:ext>
+            </a:extLst>
+          </p:cNvPr>
+          <p:cNvSpPr txBox="1"/>
+          <p:nvPr/>
+        </p:nvSpPr>
+        <p:spPr>
+          <a:xfrm>
+            <a:off x="0" y="6617218"/>
+            <a:ext cx="9884229" cy="261610"/>
+          </a:xfrm>
+          <a:prstGeom prst="rect">
+            <a:avLst/>
+          </a:prstGeom>
+          <a:noFill/>
+        </p:spPr>
+        <p:txBody>
+          <a:bodyPr wrap="square" rtlCol="0">
+            <a:spAutoFit/>
+          </a:bodyPr>
+          <a:lstStyle/>
+          <a:p>
+            <a:r>
+              <a:rPr lang="en-US" sz="1100" dirty="0"/>
+              <a:t>Source: Citi Bike System Data; January 1, 2017 through December 31, 2019</a:t>
+            </a:r>
+          </a:p>
+        </p:txBody>
+      </p:sp>
+      <p:pic>
+        <p:nvPicPr>
+          <p:cNvPr id="4" name="Content Placeholder 4" descr="A screen shot of a computer&#10;&#10;Description automatically generated">
+            <a:extLst>
+              <a:ext uri="{FF2B5EF4-FFF2-40B4-BE49-F238E27FC236}">
+                <a16:creationId xmlns:a16="http://schemas.microsoft.com/office/drawing/2014/main" id="{05CF3671-88F9-47B4-8094-5A8FC98773AB}"/>
+              </a:ext>
+            </a:extLst>
+          </p:cNvPr>
+          <p:cNvPicPr>
+            <a:picLocks noChangeAspect="1"/>
+          </p:cNvPicPr>
+          <p:nvPr/>
+        </p:nvPicPr>
+        <p:blipFill>
+          <a:blip r:embed="rId3"/>
+          <a:stretch>
+            <a:fillRect/>
+          </a:stretch>
+        </p:blipFill>
+        <p:spPr>
+          <a:xfrm>
+            <a:off x="6272984" y="2405699"/>
+            <a:ext cx="5942442" cy="3005531"/>
+          </a:xfrm>
+          <a:prstGeom prst="rect">
+            <a:avLst/>
+          </a:prstGeom>
+        </p:spPr>
+      </p:pic>
+      <p:sp>
+        <p:nvSpPr>
+          <p:cNvPr id="2" name="Rectangle 1">
+            <a:extLst>
+              <a:ext uri="{FF2B5EF4-FFF2-40B4-BE49-F238E27FC236}">
+                <a16:creationId xmlns:a16="http://schemas.microsoft.com/office/drawing/2014/main" id="{3B0FE0E9-1CB6-4AF4-A860-41B998DCEBCA}"/>
+              </a:ext>
+            </a:extLst>
+          </p:cNvPr>
+          <p:cNvSpPr/>
+          <p:nvPr/>
+        </p:nvSpPr>
+        <p:spPr>
+          <a:xfrm>
+            <a:off x="197228" y="3226265"/>
+            <a:ext cx="5579804" cy="442451"/>
+          </a:xfrm>
+          <a:prstGeom prst="rect">
+            <a:avLst/>
+          </a:prstGeom>
+          <a:noFill/>
+          <a:ln w="31750">
+            <a:solidFill>
+              <a:schemeClr val="tx1"/>
+            </a:solidFill>
+          </a:ln>
+        </p:spPr>
+        <p:style>
+          <a:lnRef idx="2">
+            <a:schemeClr val="accent1">
+              <a:shade val="50000"/>
+            </a:schemeClr>
+          </a:lnRef>
+          <a:fillRef idx="1">
+            <a:schemeClr val="accent1"/>
+          </a:fillRef>
+          <a:effectRef idx="0">
+            <a:schemeClr val="accent1"/>
+          </a:effectRef>
+          <a:fontRef idx="minor">
+            <a:schemeClr val="lt1"/>
+          </a:fontRef>
+        </p:style>
+        <p:txBody>
+          <a:bodyPr rtlCol="0" anchor="ctr"/>
+          <a:lstStyle/>
+          <a:p>
+            <a:pPr algn="ctr"/>
+            <a:endParaRPr lang="en-US"/>
+          </a:p>
+        </p:txBody>
+      </p:sp>
+      <p:sp>
+        <p:nvSpPr>
+          <p:cNvPr id="6" name="Rectangle 5">
+            <a:extLst>
+              <a:ext uri="{FF2B5EF4-FFF2-40B4-BE49-F238E27FC236}">
+                <a16:creationId xmlns:a16="http://schemas.microsoft.com/office/drawing/2014/main" id="{64BF0C49-979D-4E06-8D64-4ECE8B16B148}"/>
+              </a:ext>
+            </a:extLst>
+          </p:cNvPr>
+          <p:cNvSpPr/>
+          <p:nvPr/>
+        </p:nvSpPr>
+        <p:spPr>
+          <a:xfrm>
+            <a:off x="149913" y="4340131"/>
+            <a:ext cx="5579804" cy="442451"/>
+          </a:xfrm>
+          <a:prstGeom prst="rect">
+            <a:avLst/>
+          </a:prstGeom>
+          <a:noFill/>
+          <a:ln w="31750">
+            <a:solidFill>
+              <a:schemeClr val="tx1"/>
+            </a:solidFill>
+          </a:ln>
+        </p:spPr>
+        <p:style>
+          <a:lnRef idx="2">
+            <a:schemeClr val="accent1">
+              <a:shade val="50000"/>
+            </a:schemeClr>
+          </a:lnRef>
+          <a:fillRef idx="1">
+            <a:schemeClr val="accent1"/>
+          </a:fillRef>
+          <a:effectRef idx="0">
+            <a:schemeClr val="accent1"/>
+          </a:effectRef>
+          <a:fontRef idx="minor">
+            <a:schemeClr val="lt1"/>
+          </a:fontRef>
+        </p:style>
+        <p:txBody>
+          <a:bodyPr rtlCol="0" anchor="ctr"/>
+          <a:lstStyle/>
+          <a:p>
+            <a:pPr algn="ctr"/>
+            <a:endParaRPr lang="en-US"/>
+          </a:p>
+        </p:txBody>
+      </p:sp>
+      <p:sp>
+        <p:nvSpPr>
+          <p:cNvPr id="7" name="Rectangle 6">
+            <a:extLst>
+              <a:ext uri="{FF2B5EF4-FFF2-40B4-BE49-F238E27FC236}">
+                <a16:creationId xmlns:a16="http://schemas.microsoft.com/office/drawing/2014/main" id="{75E1CC94-88D5-42EC-AED3-D2D0B7006C4A}"/>
+              </a:ext>
+            </a:extLst>
+          </p:cNvPr>
+          <p:cNvSpPr/>
+          <p:nvPr/>
+        </p:nvSpPr>
+        <p:spPr>
+          <a:xfrm>
+            <a:off x="6454303" y="3271033"/>
+            <a:ext cx="5579804" cy="442451"/>
+          </a:xfrm>
+          <a:prstGeom prst="rect">
+            <a:avLst/>
+          </a:prstGeom>
+          <a:noFill/>
+          <a:ln w="31750">
+            <a:solidFill>
+              <a:schemeClr val="tx1"/>
+            </a:solidFill>
+          </a:ln>
+        </p:spPr>
+        <p:style>
+          <a:lnRef idx="2">
+            <a:schemeClr val="accent1">
+              <a:shade val="50000"/>
+            </a:schemeClr>
+          </a:lnRef>
+          <a:fillRef idx="1">
+            <a:schemeClr val="accent1"/>
+          </a:fillRef>
+          <a:effectRef idx="0">
+            <a:schemeClr val="accent1"/>
+          </a:effectRef>
+          <a:fontRef idx="minor">
+            <a:schemeClr val="lt1"/>
+          </a:fontRef>
+        </p:style>
+        <p:txBody>
+          <a:bodyPr rtlCol="0" anchor="ctr"/>
+          <a:lstStyle/>
+          <a:p>
+            <a:pPr algn="ctr"/>
+            <a:endParaRPr lang="en-US"/>
+          </a:p>
+        </p:txBody>
+      </p:sp>
+      <p:sp>
+        <p:nvSpPr>
+          <p:cNvPr id="8" name="Rectangle 7">
+            <a:extLst>
+              <a:ext uri="{FF2B5EF4-FFF2-40B4-BE49-F238E27FC236}">
+                <a16:creationId xmlns:a16="http://schemas.microsoft.com/office/drawing/2014/main" id="{FDDA2F79-DA7F-474C-89DB-662FA6D6E613}"/>
+              </a:ext>
+            </a:extLst>
+          </p:cNvPr>
+          <p:cNvSpPr/>
+          <p:nvPr/>
+        </p:nvSpPr>
+        <p:spPr>
+          <a:xfrm>
+            <a:off x="6454303" y="4364404"/>
+            <a:ext cx="5579804" cy="442451"/>
+          </a:xfrm>
+          <a:prstGeom prst="rect">
+            <a:avLst/>
+          </a:prstGeom>
+          <a:noFill/>
+          <a:ln w="31750">
+            <a:solidFill>
+              <a:schemeClr val="tx1"/>
+            </a:solidFill>
+          </a:ln>
+        </p:spPr>
+        <p:style>
+          <a:lnRef idx="2">
+            <a:schemeClr val="accent1">
+              <a:shade val="50000"/>
+            </a:schemeClr>
+          </a:lnRef>
+          <a:fillRef idx="1">
+            <a:schemeClr val="accent1"/>
+          </a:fillRef>
+          <a:effectRef idx="0">
+            <a:schemeClr val="accent1"/>
+          </a:effectRef>
+          <a:fontRef idx="minor">
+            <a:schemeClr val="lt1"/>
+          </a:fontRef>
+        </p:style>
+        <p:txBody>
+          <a:bodyPr rtlCol="0" anchor="ctr"/>
+          <a:lstStyle/>
+          <a:p>
+            <a:pPr algn="ctr"/>
+            <a:endParaRPr lang="en-US"/>
+          </a:p>
+        </p:txBody>
+      </p:sp>
+      <p:sp>
+        <p:nvSpPr>
+          <p:cNvPr id="10" name="Title 1">
+            <a:extLst>
+              <a:ext uri="{FF2B5EF4-FFF2-40B4-BE49-F238E27FC236}">
+                <a16:creationId xmlns:a16="http://schemas.microsoft.com/office/drawing/2014/main" id="{261F9187-B436-4446-8528-2E755BEC23AB}"/>
+              </a:ext>
+            </a:extLst>
+          </p:cNvPr>
+          <p:cNvSpPr>
+            <a:spLocks noGrp="1"/>
+          </p:cNvSpPr>
+          <p:nvPr>
+            <p:ph type="title"/>
+          </p:nvPr>
+        </p:nvSpPr>
+        <p:spPr>
+          <a:xfrm>
+            <a:off x="861205" y="168813"/>
+            <a:ext cx="10515600" cy="1325563"/>
+          </a:xfrm>
+        </p:spPr>
+        <p:txBody>
+          <a:bodyPr>
+            <a:normAutofit/>
+          </a:bodyPr>
+          <a:lstStyle/>
+          <a:p>
+            <a:r>
+              <a:rPr lang="en-US" sz="4000" dirty="0"/>
+              <a:t>Rides peak during rush hour times in the morning and evening</a:t>
+            </a:r>
+          </a:p>
+        </p:txBody>
+      </p:sp>
     </p:spTree>
     <p:extLst>
       <p:ext uri="{BB962C8B-B14F-4D97-AF65-F5344CB8AC3E}">
-        <p14:creationId xmlns:p14="http://schemas.microsoft.com/office/powerpoint/2010/main" val="3950327197"/>
+        <p14:creationId xmlns:p14="http://schemas.microsoft.com/office/powerpoint/2010/main" val="1365015754"/>
       </p:ext>
     </p:extLst>
   </p:cSld>
@@ -4198,10 +5294,10 @@
       </p:grpSpPr>
       <p:pic>
         <p:nvPicPr>
-          <p:cNvPr id="5" name="Content Placeholder 4" descr="A view of a city&#10;&#10;Description automatically generated">
-            <a:extLst>
-              <a:ext uri="{FF2B5EF4-FFF2-40B4-BE49-F238E27FC236}">
-                <a16:creationId xmlns:a16="http://schemas.microsoft.com/office/drawing/2014/main" id="{D3431EF8-D354-8A43-B427-CBEBD8F09695}"/>
+          <p:cNvPr id="5" name="Content Placeholder 4" descr="A screenshot of a cell phone&#10;&#10;Description automatically generated">
+            <a:extLst>
+              <a:ext uri="{FF2B5EF4-FFF2-40B4-BE49-F238E27FC236}">
+                <a16:creationId xmlns:a16="http://schemas.microsoft.com/office/drawing/2014/main" id="{2B9DA7EC-290C-3746-8A4B-D7118EACB5E5}"/>
               </a:ext>
             </a:extLst>
           </p:cNvPr>
@@ -4220,15 +5316,176 @@
         </p:blipFill>
         <p:spPr>
           <a:xfrm>
-            <a:off x="1191565" y="1825625"/>
-            <a:ext cx="9808870" cy="4351338"/>
+            <a:off x="889341" y="1111780"/>
+            <a:ext cx="4045986" cy="5334342"/>
           </a:xfrm>
         </p:spPr>
       </p:pic>
+      <p:sp>
+        <p:nvSpPr>
+          <p:cNvPr id="4" name="TextBox 3">
+            <a:extLst>
+              <a:ext uri="{FF2B5EF4-FFF2-40B4-BE49-F238E27FC236}">
+                <a16:creationId xmlns:a16="http://schemas.microsoft.com/office/drawing/2014/main" id="{3AAEF556-728C-451A-A285-94B42BA1EC45}"/>
+              </a:ext>
+            </a:extLst>
+          </p:cNvPr>
+          <p:cNvSpPr txBox="1"/>
+          <p:nvPr/>
+        </p:nvSpPr>
+        <p:spPr>
+          <a:xfrm>
+            <a:off x="0" y="6617218"/>
+            <a:ext cx="9884229" cy="261610"/>
+          </a:xfrm>
+          <a:prstGeom prst="rect">
+            <a:avLst/>
+          </a:prstGeom>
+          <a:noFill/>
+        </p:spPr>
+        <p:txBody>
+          <a:bodyPr wrap="square" rtlCol="0">
+            <a:spAutoFit/>
+          </a:bodyPr>
+          <a:lstStyle/>
+          <a:p>
+            <a:r>
+              <a:rPr lang="en-US" sz="1100" dirty="0"/>
+              <a:t>Source: Citi Bike System Data; January 1, 2017 through December 31, 2019</a:t>
+            </a:r>
+          </a:p>
+        </p:txBody>
+      </p:sp>
+      <p:sp>
+        <p:nvSpPr>
+          <p:cNvPr id="6" name="Title 1">
+            <a:extLst>
+              <a:ext uri="{FF2B5EF4-FFF2-40B4-BE49-F238E27FC236}">
+                <a16:creationId xmlns:a16="http://schemas.microsoft.com/office/drawing/2014/main" id="{524CB5C7-0D95-4FCC-AFF1-B41D4B8EBB29}"/>
+              </a:ext>
+            </a:extLst>
+          </p:cNvPr>
+          <p:cNvSpPr>
+            <a:spLocks noGrp="1"/>
+          </p:cNvSpPr>
+          <p:nvPr>
+            <p:ph type="title"/>
+          </p:nvPr>
+        </p:nvSpPr>
+        <p:spPr>
+          <a:xfrm>
+            <a:off x="861205" y="168813"/>
+            <a:ext cx="10515600" cy="1325563"/>
+          </a:xfrm>
+        </p:spPr>
+        <p:txBody>
+          <a:bodyPr>
+            <a:normAutofit/>
+          </a:bodyPr>
+          <a:lstStyle/>
+          <a:p>
+            <a:r>
+              <a:rPr lang="en-US" sz="4000" dirty="0"/>
+              <a:t>Ride usage is most frequent during the week</a:t>
+            </a:r>
+          </a:p>
+        </p:txBody>
+      </p:sp>
+      <p:sp>
+        <p:nvSpPr>
+          <p:cNvPr id="8" name="TextBox 7">
+            <a:extLst>
+              <a:ext uri="{FF2B5EF4-FFF2-40B4-BE49-F238E27FC236}">
+                <a16:creationId xmlns:a16="http://schemas.microsoft.com/office/drawing/2014/main" id="{266C3B28-AD1D-4816-A017-54C62497C1F5}"/>
+              </a:ext>
+            </a:extLst>
+          </p:cNvPr>
+          <p:cNvSpPr txBox="1"/>
+          <p:nvPr/>
+        </p:nvSpPr>
+        <p:spPr>
+          <a:xfrm>
+            <a:off x="6502350" y="2505670"/>
+            <a:ext cx="4357909" cy="923330"/>
+          </a:xfrm>
+          <a:prstGeom prst="rect">
+            <a:avLst/>
+          </a:prstGeom>
+          <a:noFill/>
+        </p:spPr>
+        <p:txBody>
+          <a:bodyPr wrap="square" rtlCol="0">
+            <a:spAutoFit/>
+          </a:bodyPr>
+          <a:lstStyle/>
+          <a:p>
+            <a:pPr marL="285750" indent="-285750">
+              <a:buFont typeface="Arial" panose="020B0604020202020204" pitchFamily="34" charset="0"/>
+              <a:buChar char="•"/>
+            </a:pPr>
+            <a:r>
+              <a:rPr lang="en-US" dirty="0"/>
+              <a:t>Weekday rides is higher than the weekend because Citi Bike riders use our bikes for the commute to work</a:t>
+            </a:r>
+          </a:p>
+        </p:txBody>
+      </p:sp>
+      <p:sp>
+        <p:nvSpPr>
+          <p:cNvPr id="9" name="Rectangle 8">
+            <a:extLst>
+              <a:ext uri="{FF2B5EF4-FFF2-40B4-BE49-F238E27FC236}">
+                <a16:creationId xmlns:a16="http://schemas.microsoft.com/office/drawing/2014/main" id="{47854122-F26B-40C7-9D7C-88D69CF61D85}"/>
+              </a:ext>
+            </a:extLst>
+          </p:cNvPr>
+          <p:cNvSpPr/>
+          <p:nvPr/>
+        </p:nvSpPr>
+        <p:spPr>
+          <a:xfrm>
+            <a:off x="2000687" y="1503550"/>
+            <a:ext cx="2419645" cy="4698609"/>
+          </a:xfrm>
+          <a:prstGeom prst="rect">
+            <a:avLst/>
+          </a:prstGeom>
+          <a:noFill/>
+          <a:ln w="38100">
+            <a:solidFill>
+              <a:schemeClr val="tx1"/>
+            </a:solidFill>
+          </a:ln>
+        </p:spPr>
+        <p:style>
+          <a:lnRef idx="2">
+            <a:schemeClr val="accent1">
+              <a:shade val="50000"/>
+            </a:schemeClr>
+          </a:lnRef>
+          <a:fillRef idx="1">
+            <a:schemeClr val="accent1"/>
+          </a:fillRef>
+          <a:effectRef idx="0">
+            <a:schemeClr val="accent1"/>
+          </a:effectRef>
+          <a:fontRef idx="minor">
+            <a:schemeClr val="lt1"/>
+          </a:fontRef>
+        </p:style>
+        <p:txBody>
+          <a:bodyPr rtlCol="0" anchor="ctr"/>
+          <a:lstStyle/>
+          <a:p>
+            <a:pPr algn="ctr"/>
+            <a:endParaRPr lang="en-US"/>
+          </a:p>
+        </p:txBody>
+      </p:sp>
     </p:spTree>
     <p:extLst>
       <p:ext uri="{BB962C8B-B14F-4D97-AF65-F5344CB8AC3E}">
-        <p14:creationId xmlns:p14="http://schemas.microsoft.com/office/powerpoint/2010/main" val="3081664822"/>
+        <p14:creationId xmlns:p14="http://schemas.microsoft.com/office/powerpoint/2010/main" val="1704498864"/>
       </p:ext>
     </p:extLst>
   </p:cSld>
@@ -4241,6 +5498,17 @@
 <file path=ppt/slides/slide9.xml><?xml version="1.0" encoding="utf-8"?>
 <p:sld xmlns:a="http://schemas.openxmlformats.org/drawingml/2006/main" xmlns:r="http://schemas.openxmlformats.org/officeDocument/2006/relationships" xmlns:p="http://schemas.openxmlformats.org/presentationml/2006/main">
   <p:cSld>
+    <p:bg>
+      <p:bgPr>
+        <a:solidFill>
+          <a:schemeClr val="tx2">
+            <a:lumMod val="20000"/>
+            <a:lumOff val="80000"/>
+          </a:schemeClr>
+        </a:solidFill>
+        <a:effectLst/>
+      </p:bgPr>
+    </p:bg>
     <p:spTree>
       <p:nvGrpSpPr>
         <p:cNvPr id="1" name=""/>
@@ -4255,40 +5523,48 @@
           <a:chExt cx="0" cy="0"/>
         </a:xfrm>
       </p:grpSpPr>
-      <p:pic>
-        <p:nvPicPr>
-          <p:cNvPr id="5" name="Picture 4" descr="A close up of a map&#10;&#10;Description automatically generated">
-            <a:extLst>
-              <a:ext uri="{FF2B5EF4-FFF2-40B4-BE49-F238E27FC236}">
-                <a16:creationId xmlns:a16="http://schemas.microsoft.com/office/drawing/2014/main" id="{5352BE20-ADA7-5149-86D7-9BEAA39D9331}"/>
-              </a:ext>
-            </a:extLst>
-          </p:cNvPr>
-          <p:cNvPicPr>
-            <a:picLocks noChangeAspect="1"/>
-          </p:cNvPicPr>
-          <p:nvPr/>
-        </p:nvPicPr>
-        <p:blipFill>
-          <a:blip r:embed="rId2"/>
-          <a:stretch>
-            <a:fillRect/>
-          </a:stretch>
-        </p:blipFill>
-        <p:spPr>
-          <a:xfrm>
-            <a:off x="251890" y="0"/>
-            <a:ext cx="11688219" cy="6858000"/>
-          </a:xfrm>
-          <a:prstGeom prst="rect">
-            <a:avLst/>
-          </a:prstGeom>
-        </p:spPr>
-      </p:pic>
+      <p:sp>
+        <p:nvSpPr>
+          <p:cNvPr id="3" name="Content Placeholder 2">
+            <a:extLst>
+              <a:ext uri="{FF2B5EF4-FFF2-40B4-BE49-F238E27FC236}">
+                <a16:creationId xmlns:a16="http://schemas.microsoft.com/office/drawing/2014/main" id="{0AD89F4D-BFCE-9F4F-A0B8-C0E86F44D499}"/>
+              </a:ext>
+            </a:extLst>
+          </p:cNvPr>
+          <p:cNvSpPr>
+            <a:spLocks noGrp="1"/>
+          </p:cNvSpPr>
+          <p:nvPr>
+            <p:ph idx="1"/>
+          </p:nvPr>
+        </p:nvSpPr>
+        <p:spPr>
+          <a:xfrm>
+            <a:off x="838200" y="1506311"/>
+            <a:ext cx="10515600" cy="4212318"/>
+          </a:xfrm>
+        </p:spPr>
+        <p:txBody>
+          <a:bodyPr>
+            <a:normAutofit/>
+          </a:bodyPr>
+          <a:lstStyle/>
+          <a:p>
+            <a:pPr marL="0" indent="0" algn="ctr">
+              <a:buNone/>
+            </a:pPr>
+            <a:r>
+              <a:rPr lang="en-US" sz="9600" dirty="0"/>
+              <a:t>Proposal</a:t>
+            </a:r>
+          </a:p>
+        </p:txBody>
+      </p:sp>
     </p:spTree>
     <p:extLst>
       <p:ext uri="{BB962C8B-B14F-4D97-AF65-F5344CB8AC3E}">
-        <p14:creationId xmlns:p14="http://schemas.microsoft.com/office/powerpoint/2010/main" val="2537264123"/>
+        <p14:creationId xmlns:p14="http://schemas.microsoft.com/office/powerpoint/2010/main" val="2752759567"/>
       </p:ext>
     </p:extLst>
   </p:cSld>
